--- a/ch1_introduction.figures/ch1_introduction.figures.pptx
+++ b/ch1_introduction.figures/ch1_introduction.figures.pptx
@@ -6,6 +6,7 @@
   </p:sldMasterIdLst>
   <p:sldIdLst>
     <p:sldId id="257" r:id="rId2"/>
+    <p:sldId id="258" r:id="rId3"/>
   </p:sldIdLst>
   <p:sldSz cx="6858000" cy="9144000" type="letter"/>
   <p:notesSz cx="6858000" cy="9144000"/>
@@ -104,6 +105,11 @@
       </a:defRPr>
     </a:lvl9pPr>
   </p:defaultTextStyle>
+  <p:extLst>
+    <p:ext uri="{EFAFB233-063F-42B5-8137-9DF3F51BA10A}">
+      <p15:sldGuideLst xmlns:p15="http://schemas.microsoft.com/office/powerpoint/2012/main"/>
+    </p:ext>
+  </p:extLst>
 </p:presentation>
 </file>
 
@@ -238,7 +244,7 @@
           <a:p>
             <a:fld id="{FA1A729A-1091-F640-89D2-BCA8DB9F194A}" type="datetimeFigureOut">
               <a:rPr lang="en-US" smtClean="0"/>
-              <a:t>11/7/15</a:t>
+              <a:t>11/22/15</a:t>
             </a:fld>
             <a:endParaRPr lang="en-US"/>
           </a:p>
@@ -408,7 +414,7 @@
           <a:p>
             <a:fld id="{FA1A729A-1091-F640-89D2-BCA8DB9F194A}" type="datetimeFigureOut">
               <a:rPr lang="en-US" smtClean="0"/>
-              <a:t>11/7/15</a:t>
+              <a:t>11/22/15</a:t>
             </a:fld>
             <a:endParaRPr lang="en-US"/>
           </a:p>
@@ -588,7 +594,7 @@
           <a:p>
             <a:fld id="{FA1A729A-1091-F640-89D2-BCA8DB9F194A}" type="datetimeFigureOut">
               <a:rPr lang="en-US" smtClean="0"/>
-              <a:t>11/7/15</a:t>
+              <a:t>11/22/15</a:t>
             </a:fld>
             <a:endParaRPr lang="en-US"/>
           </a:p>
@@ -758,7 +764,7 @@
           <a:p>
             <a:fld id="{FA1A729A-1091-F640-89D2-BCA8DB9F194A}" type="datetimeFigureOut">
               <a:rPr lang="en-US" smtClean="0"/>
-              <a:t>11/7/15</a:t>
+              <a:t>11/22/15</a:t>
             </a:fld>
             <a:endParaRPr lang="en-US"/>
           </a:p>
@@ -1002,7 +1008,7 @@
           <a:p>
             <a:fld id="{FA1A729A-1091-F640-89D2-BCA8DB9F194A}" type="datetimeFigureOut">
               <a:rPr lang="en-US" smtClean="0"/>
-              <a:t>11/7/15</a:t>
+              <a:t>11/22/15</a:t>
             </a:fld>
             <a:endParaRPr lang="en-US"/>
           </a:p>
@@ -1234,7 +1240,7 @@
           <a:p>
             <a:fld id="{FA1A729A-1091-F640-89D2-BCA8DB9F194A}" type="datetimeFigureOut">
               <a:rPr lang="en-US" smtClean="0"/>
-              <a:t>11/7/15</a:t>
+              <a:t>11/22/15</a:t>
             </a:fld>
             <a:endParaRPr lang="en-US"/>
           </a:p>
@@ -1601,7 +1607,7 @@
           <a:p>
             <a:fld id="{FA1A729A-1091-F640-89D2-BCA8DB9F194A}" type="datetimeFigureOut">
               <a:rPr lang="en-US" smtClean="0"/>
-              <a:t>11/7/15</a:t>
+              <a:t>11/22/15</a:t>
             </a:fld>
             <a:endParaRPr lang="en-US"/>
           </a:p>
@@ -1719,7 +1725,7 @@
           <a:p>
             <a:fld id="{FA1A729A-1091-F640-89D2-BCA8DB9F194A}" type="datetimeFigureOut">
               <a:rPr lang="en-US" smtClean="0"/>
-              <a:t>11/7/15</a:t>
+              <a:t>11/22/15</a:t>
             </a:fld>
             <a:endParaRPr lang="en-US"/>
           </a:p>
@@ -1814,7 +1820,7 @@
           <a:p>
             <a:fld id="{FA1A729A-1091-F640-89D2-BCA8DB9F194A}" type="datetimeFigureOut">
               <a:rPr lang="en-US" smtClean="0"/>
-              <a:t>11/7/15</a:t>
+              <a:t>11/22/15</a:t>
             </a:fld>
             <a:endParaRPr lang="en-US"/>
           </a:p>
@@ -2091,7 +2097,7 @@
           <a:p>
             <a:fld id="{FA1A729A-1091-F640-89D2-BCA8DB9F194A}" type="datetimeFigureOut">
               <a:rPr lang="en-US" smtClean="0"/>
-              <a:t>11/7/15</a:t>
+              <a:t>11/22/15</a:t>
             </a:fld>
             <a:endParaRPr lang="en-US"/>
           </a:p>
@@ -2348,7 +2354,7 @@
           <a:p>
             <a:fld id="{FA1A729A-1091-F640-89D2-BCA8DB9F194A}" type="datetimeFigureOut">
               <a:rPr lang="en-US" smtClean="0"/>
-              <a:t>11/7/15</a:t>
+              <a:t>11/22/15</a:t>
             </a:fld>
             <a:endParaRPr lang="en-US"/>
           </a:p>
@@ -2561,7 +2567,7 @@
           <a:p>
             <a:fld id="{FA1A729A-1091-F640-89D2-BCA8DB9F194A}" type="datetimeFigureOut">
               <a:rPr lang="en-US" smtClean="0"/>
-              <a:t>11/7/15</a:t>
+              <a:t>11/22/15</a:t>
             </a:fld>
             <a:endParaRPr lang="en-US"/>
           </a:p>
@@ -3551,6 +3557,7 @@
               <a:rPr lang="en-US" dirty="0" smtClean="0"/>
               <a:t>TLE1-4</a:t>
             </a:r>
+            <a:endParaRPr lang="en-US" dirty="0" smtClean="0"/>
           </a:p>
           <a:p>
             <a:pPr algn="r"/>
@@ -4242,6 +4249,1467 @@
     <p:extLst>
       <p:ext uri="{BB962C8B-B14F-4D97-AF65-F5344CB8AC3E}">
         <p14:creationId xmlns:p14="http://schemas.microsoft.com/office/powerpoint/2010/main" val="1823475711"/>
+      </p:ext>
+    </p:extLst>
+  </p:cSld>
+  <p:clrMapOvr>
+    <a:masterClrMapping/>
+  </p:clrMapOvr>
+</p:sld>
+</file>
+
+<file path=ppt/slides/slide2.xml><?xml version="1.0" encoding="utf-8"?>
+<p:sld xmlns:a="http://schemas.openxmlformats.org/drawingml/2006/main" xmlns:r="http://schemas.openxmlformats.org/officeDocument/2006/relationships" xmlns:p="http://schemas.openxmlformats.org/presentationml/2006/main">
+  <p:cSld>
+    <p:spTree>
+      <p:nvGrpSpPr>
+        <p:cNvPr id="1" name=""/>
+        <p:cNvGrpSpPr/>
+        <p:nvPr/>
+      </p:nvGrpSpPr>
+      <p:grpSpPr>
+        <a:xfrm>
+          <a:off x="0" y="0"/>
+          <a:ext cx="0" cy="0"/>
+          <a:chOff x="0" y="0"/>
+          <a:chExt cx="0" cy="0"/>
+        </a:xfrm>
+      </p:grpSpPr>
+      <p:grpSp>
+        <p:nvGrpSpPr>
+          <p:cNvPr id="21" name="Group 20"/>
+          <p:cNvGrpSpPr/>
+          <p:nvPr/>
+        </p:nvGrpSpPr>
+        <p:grpSpPr>
+          <a:xfrm>
+            <a:off x="-19925" y="1510276"/>
+            <a:ext cx="5744863" cy="5661705"/>
+            <a:chOff x="-19925" y="1510276"/>
+            <a:chExt cx="5744863" cy="5661705"/>
+          </a:xfrm>
+        </p:grpSpPr>
+        <p:sp>
+          <p:nvSpPr>
+            <p:cNvPr id="2" name="Rectangle 1"/>
+            <p:cNvSpPr/>
+            <p:nvPr/>
+          </p:nvSpPr>
+          <p:spPr>
+            <a:xfrm>
+              <a:off x="1802295" y="1634963"/>
+              <a:ext cx="569843" cy="344556"/>
+            </a:xfrm>
+            <a:prstGeom prst="rect">
+              <a:avLst/>
+            </a:prstGeom>
+            <a:solidFill>
+              <a:schemeClr val="accent6">
+                <a:lumMod val="75000"/>
+              </a:schemeClr>
+            </a:solidFill>
+            <a:ln>
+              <a:noFill/>
+            </a:ln>
+          </p:spPr>
+          <p:style>
+            <a:lnRef idx="2">
+              <a:schemeClr val="accent1">
+                <a:shade val="50000"/>
+              </a:schemeClr>
+            </a:lnRef>
+            <a:fillRef idx="1">
+              <a:schemeClr val="accent1"/>
+            </a:fillRef>
+            <a:effectRef idx="0">
+              <a:schemeClr val="accent1"/>
+            </a:effectRef>
+            <a:fontRef idx="minor">
+              <a:schemeClr val="lt1"/>
+            </a:fontRef>
+          </p:style>
+          <p:txBody>
+            <a:bodyPr rtlCol="0" anchor="ctr"/>
+            <a:lstStyle/>
+            <a:p>
+              <a:pPr algn="ctr"/>
+              <a:r>
+                <a:rPr lang="en-US" dirty="0" smtClean="0"/>
+                <a:t>Q</a:t>
+              </a:r>
+              <a:endParaRPr lang="en-US" dirty="0"/>
+            </a:p>
+          </p:txBody>
+        </p:sp>
+        <p:sp>
+          <p:nvSpPr>
+            <p:cNvPr id="3" name="Rectangle 2"/>
+            <p:cNvSpPr/>
+            <p:nvPr/>
+          </p:nvSpPr>
+          <p:spPr>
+            <a:xfrm>
+              <a:off x="2372138" y="1634963"/>
+              <a:ext cx="569843" cy="344556"/>
+            </a:xfrm>
+            <a:prstGeom prst="rect">
+              <a:avLst/>
+            </a:prstGeom>
+            <a:solidFill>
+              <a:schemeClr val="accent2">
+                <a:lumMod val="75000"/>
+              </a:schemeClr>
+            </a:solidFill>
+            <a:ln>
+              <a:noFill/>
+            </a:ln>
+          </p:spPr>
+          <p:style>
+            <a:lnRef idx="2">
+              <a:schemeClr val="accent1">
+                <a:shade val="50000"/>
+              </a:schemeClr>
+            </a:lnRef>
+            <a:fillRef idx="1">
+              <a:schemeClr val="accent1"/>
+            </a:fillRef>
+            <a:effectRef idx="0">
+              <a:schemeClr val="accent1"/>
+            </a:effectRef>
+            <a:fontRef idx="minor">
+              <a:schemeClr val="lt1"/>
+            </a:fontRef>
+          </p:style>
+          <p:txBody>
+            <a:bodyPr rtlCol="0" anchor="ctr"/>
+            <a:lstStyle/>
+            <a:p>
+              <a:pPr algn="ctr"/>
+              <a:r>
+                <a:rPr lang="en-US" dirty="0" smtClean="0"/>
+                <a:t>GP</a:t>
+              </a:r>
+              <a:endParaRPr lang="en-US" dirty="0"/>
+            </a:p>
+          </p:txBody>
+        </p:sp>
+        <p:sp>
+          <p:nvSpPr>
+            <p:cNvPr id="4" name="Rectangle 3"/>
+            <p:cNvSpPr/>
+            <p:nvPr/>
+          </p:nvSpPr>
+          <p:spPr>
+            <a:xfrm>
+              <a:off x="2941981" y="1634963"/>
+              <a:ext cx="569843" cy="344556"/>
+            </a:xfrm>
+            <a:prstGeom prst="rect">
+              <a:avLst/>
+            </a:prstGeom>
+            <a:solidFill>
+              <a:schemeClr val="accent3">
+                <a:lumMod val="75000"/>
+              </a:schemeClr>
+            </a:solidFill>
+            <a:ln>
+              <a:noFill/>
+            </a:ln>
+          </p:spPr>
+          <p:style>
+            <a:lnRef idx="2">
+              <a:schemeClr val="accent1">
+                <a:shade val="50000"/>
+              </a:schemeClr>
+            </a:lnRef>
+            <a:fillRef idx="1">
+              <a:schemeClr val="accent1"/>
+            </a:fillRef>
+            <a:effectRef idx="0">
+              <a:schemeClr val="accent1"/>
+            </a:effectRef>
+            <a:fontRef idx="minor">
+              <a:schemeClr val="lt1"/>
+            </a:fontRef>
+          </p:style>
+          <p:txBody>
+            <a:bodyPr rtlCol="0" anchor="ctr"/>
+            <a:lstStyle/>
+            <a:p>
+              <a:pPr algn="ctr"/>
+              <a:r>
+                <a:rPr lang="en-US" dirty="0" smtClean="0"/>
+                <a:t>CcN</a:t>
+              </a:r>
+              <a:endParaRPr lang="en-US" dirty="0"/>
+            </a:p>
+          </p:txBody>
+        </p:sp>
+        <p:sp>
+          <p:nvSpPr>
+            <p:cNvPr id="5" name="Rectangle 4"/>
+            <p:cNvSpPr/>
+            <p:nvPr/>
+          </p:nvSpPr>
+          <p:spPr>
+            <a:xfrm>
+              <a:off x="3511824" y="1634963"/>
+              <a:ext cx="569843" cy="344556"/>
+            </a:xfrm>
+            <a:prstGeom prst="rect">
+              <a:avLst/>
+            </a:prstGeom>
+            <a:solidFill>
+              <a:schemeClr val="accent4">
+                <a:lumMod val="75000"/>
+              </a:schemeClr>
+            </a:solidFill>
+            <a:ln>
+              <a:noFill/>
+            </a:ln>
+          </p:spPr>
+          <p:style>
+            <a:lnRef idx="2">
+              <a:schemeClr val="accent1">
+                <a:shade val="50000"/>
+              </a:schemeClr>
+            </a:lnRef>
+            <a:fillRef idx="1">
+              <a:schemeClr val="accent1"/>
+            </a:fillRef>
+            <a:effectRef idx="0">
+              <a:schemeClr val="accent1"/>
+            </a:effectRef>
+            <a:fontRef idx="minor">
+              <a:schemeClr val="lt1"/>
+            </a:fontRef>
+          </p:style>
+          <p:txBody>
+            <a:bodyPr rtlCol="0" anchor="ctr"/>
+            <a:lstStyle/>
+            <a:p>
+              <a:pPr algn="ctr"/>
+              <a:r>
+                <a:rPr lang="en-US" dirty="0" smtClean="0"/>
+                <a:t>SP</a:t>
+              </a:r>
+              <a:endParaRPr lang="en-US" dirty="0"/>
+            </a:p>
+          </p:txBody>
+        </p:sp>
+        <p:sp>
+          <p:nvSpPr>
+            <p:cNvPr id="6" name="Rectangle 5"/>
+            <p:cNvSpPr/>
+            <p:nvPr/>
+          </p:nvSpPr>
+          <p:spPr>
+            <a:xfrm>
+              <a:off x="4081667" y="1634963"/>
+              <a:ext cx="1643271" cy="344556"/>
+            </a:xfrm>
+            <a:prstGeom prst="rect">
+              <a:avLst/>
+            </a:prstGeom>
+            <a:solidFill>
+              <a:schemeClr val="accent5">
+                <a:lumMod val="75000"/>
+              </a:schemeClr>
+            </a:solidFill>
+            <a:ln>
+              <a:noFill/>
+            </a:ln>
+          </p:spPr>
+          <p:style>
+            <a:lnRef idx="2">
+              <a:schemeClr val="accent1">
+                <a:shade val="50000"/>
+              </a:schemeClr>
+            </a:lnRef>
+            <a:fillRef idx="1">
+              <a:schemeClr val="accent1"/>
+            </a:fillRef>
+            <a:effectRef idx="0">
+              <a:schemeClr val="accent1"/>
+            </a:effectRef>
+            <a:fontRef idx="minor">
+              <a:schemeClr val="lt1"/>
+            </a:fontRef>
+          </p:style>
+          <p:txBody>
+            <a:bodyPr rtlCol="0" anchor="ctr"/>
+            <a:lstStyle/>
+            <a:p>
+              <a:pPr algn="ctr"/>
+              <a:r>
+                <a:rPr lang="en-US" smtClean="0"/>
+                <a:t>WD</a:t>
+              </a:r>
+              <a:endParaRPr lang="en-US"/>
+            </a:p>
+          </p:txBody>
+        </p:sp>
+        <p:sp>
+          <p:nvSpPr>
+            <p:cNvPr id="7" name="TextBox 6"/>
+            <p:cNvSpPr txBox="1"/>
+            <p:nvPr/>
+          </p:nvSpPr>
+          <p:spPr>
+            <a:xfrm>
+              <a:off x="-19925" y="1510276"/>
+              <a:ext cx="1722074" cy="646331"/>
+            </a:xfrm>
+            <a:prstGeom prst="rect">
+              <a:avLst/>
+            </a:prstGeom>
+            <a:noFill/>
+          </p:spPr>
+          <p:txBody>
+            <a:bodyPr wrap="none" rtlCol="0">
+              <a:spAutoFit/>
+            </a:bodyPr>
+            <a:lstStyle/>
+            <a:p>
+              <a:pPr algn="r"/>
+              <a:r>
+                <a:rPr lang="en-US" dirty="0" smtClean="0"/>
+                <a:t>Gro</a:t>
+              </a:r>
+            </a:p>
+            <a:p>
+              <a:pPr algn="r"/>
+              <a:r>
+                <a:rPr lang="en-US" i="1" dirty="0" smtClean="0"/>
+                <a:t>D. melanogaster</a:t>
+              </a:r>
+              <a:endParaRPr lang="en-US" i="1" dirty="0"/>
+            </a:p>
+          </p:txBody>
+        </p:sp>
+        <p:sp>
+          <p:nvSpPr>
+            <p:cNvPr id="8" name="Rectangle 7"/>
+            <p:cNvSpPr/>
+            <p:nvPr/>
+          </p:nvSpPr>
+          <p:spPr>
+            <a:xfrm>
+              <a:off x="1802295" y="2862343"/>
+              <a:ext cx="569843" cy="344556"/>
+            </a:xfrm>
+            <a:prstGeom prst="rect">
+              <a:avLst/>
+            </a:prstGeom>
+            <a:solidFill>
+              <a:schemeClr val="accent6">
+                <a:lumMod val="75000"/>
+              </a:schemeClr>
+            </a:solidFill>
+            <a:ln>
+              <a:noFill/>
+            </a:ln>
+          </p:spPr>
+          <p:style>
+            <a:lnRef idx="2">
+              <a:schemeClr val="accent1">
+                <a:shade val="50000"/>
+              </a:schemeClr>
+            </a:lnRef>
+            <a:fillRef idx="1">
+              <a:schemeClr val="accent1"/>
+            </a:fillRef>
+            <a:effectRef idx="0">
+              <a:schemeClr val="accent1"/>
+            </a:effectRef>
+            <a:fontRef idx="minor">
+              <a:schemeClr val="lt1"/>
+            </a:fontRef>
+          </p:style>
+          <p:txBody>
+            <a:bodyPr rtlCol="0" anchor="ctr"/>
+            <a:lstStyle/>
+            <a:p>
+              <a:pPr algn="ctr"/>
+              <a:r>
+                <a:rPr lang="en-US" dirty="0" smtClean="0"/>
+                <a:t>Q</a:t>
+              </a:r>
+              <a:endParaRPr lang="en-US" dirty="0"/>
+            </a:p>
+          </p:txBody>
+        </p:sp>
+        <p:sp>
+          <p:nvSpPr>
+            <p:cNvPr id="9" name="Rectangle 8"/>
+            <p:cNvSpPr/>
+            <p:nvPr/>
+          </p:nvSpPr>
+          <p:spPr>
+            <a:xfrm>
+              <a:off x="2372138" y="2862343"/>
+              <a:ext cx="569843" cy="344556"/>
+            </a:xfrm>
+            <a:prstGeom prst="rect">
+              <a:avLst/>
+            </a:prstGeom>
+            <a:solidFill>
+              <a:schemeClr val="accent2">
+                <a:lumMod val="75000"/>
+              </a:schemeClr>
+            </a:solidFill>
+            <a:ln>
+              <a:noFill/>
+            </a:ln>
+          </p:spPr>
+          <p:style>
+            <a:lnRef idx="2">
+              <a:schemeClr val="accent1">
+                <a:shade val="50000"/>
+              </a:schemeClr>
+            </a:lnRef>
+            <a:fillRef idx="1">
+              <a:schemeClr val="accent1"/>
+            </a:fillRef>
+            <a:effectRef idx="0">
+              <a:schemeClr val="accent1"/>
+            </a:effectRef>
+            <a:fontRef idx="minor">
+              <a:schemeClr val="lt1"/>
+            </a:fontRef>
+          </p:style>
+          <p:txBody>
+            <a:bodyPr rtlCol="0" anchor="ctr"/>
+            <a:lstStyle/>
+            <a:p>
+              <a:pPr algn="ctr"/>
+              <a:r>
+                <a:rPr lang="en-US" dirty="0" smtClean="0"/>
+                <a:t>GP</a:t>
+              </a:r>
+              <a:endParaRPr lang="en-US" dirty="0"/>
+            </a:p>
+          </p:txBody>
+        </p:sp>
+        <p:sp>
+          <p:nvSpPr>
+            <p:cNvPr id="10" name="Rectangle 9"/>
+            <p:cNvSpPr/>
+            <p:nvPr/>
+          </p:nvSpPr>
+          <p:spPr>
+            <a:xfrm>
+              <a:off x="2941981" y="2862343"/>
+              <a:ext cx="569843" cy="344556"/>
+            </a:xfrm>
+            <a:prstGeom prst="rect">
+              <a:avLst/>
+            </a:prstGeom>
+            <a:solidFill>
+              <a:schemeClr val="accent3">
+                <a:lumMod val="75000"/>
+              </a:schemeClr>
+            </a:solidFill>
+            <a:ln>
+              <a:noFill/>
+            </a:ln>
+          </p:spPr>
+          <p:style>
+            <a:lnRef idx="2">
+              <a:schemeClr val="accent1">
+                <a:shade val="50000"/>
+              </a:schemeClr>
+            </a:lnRef>
+            <a:fillRef idx="1">
+              <a:schemeClr val="accent1"/>
+            </a:fillRef>
+            <a:effectRef idx="0">
+              <a:schemeClr val="accent1"/>
+            </a:effectRef>
+            <a:fontRef idx="minor">
+              <a:schemeClr val="lt1"/>
+            </a:fontRef>
+          </p:style>
+          <p:txBody>
+            <a:bodyPr rtlCol="0" anchor="ctr"/>
+            <a:lstStyle/>
+            <a:p>
+              <a:pPr algn="ctr"/>
+              <a:r>
+                <a:rPr lang="en-US" dirty="0" smtClean="0"/>
+                <a:t>CcN</a:t>
+              </a:r>
+              <a:endParaRPr lang="en-US" dirty="0"/>
+            </a:p>
+          </p:txBody>
+        </p:sp>
+        <p:sp>
+          <p:nvSpPr>
+            <p:cNvPr id="11" name="Rectangle 10"/>
+            <p:cNvSpPr/>
+            <p:nvPr/>
+          </p:nvSpPr>
+          <p:spPr>
+            <a:xfrm>
+              <a:off x="3511824" y="2862343"/>
+              <a:ext cx="569843" cy="344556"/>
+            </a:xfrm>
+            <a:prstGeom prst="rect">
+              <a:avLst/>
+            </a:prstGeom>
+            <a:solidFill>
+              <a:schemeClr val="accent4">
+                <a:lumMod val="75000"/>
+              </a:schemeClr>
+            </a:solidFill>
+            <a:ln>
+              <a:noFill/>
+            </a:ln>
+          </p:spPr>
+          <p:style>
+            <a:lnRef idx="2">
+              <a:schemeClr val="accent1">
+                <a:shade val="50000"/>
+              </a:schemeClr>
+            </a:lnRef>
+            <a:fillRef idx="1">
+              <a:schemeClr val="accent1"/>
+            </a:fillRef>
+            <a:effectRef idx="0">
+              <a:schemeClr val="accent1"/>
+            </a:effectRef>
+            <a:fontRef idx="minor">
+              <a:schemeClr val="lt1"/>
+            </a:fontRef>
+          </p:style>
+          <p:txBody>
+            <a:bodyPr rtlCol="0" anchor="ctr"/>
+            <a:lstStyle/>
+            <a:p>
+              <a:pPr algn="ctr"/>
+              <a:r>
+                <a:rPr lang="en-US" dirty="0" smtClean="0"/>
+                <a:t>SP</a:t>
+              </a:r>
+              <a:endParaRPr lang="en-US" dirty="0"/>
+            </a:p>
+          </p:txBody>
+        </p:sp>
+        <p:sp>
+          <p:nvSpPr>
+            <p:cNvPr id="12" name="Rectangle 11"/>
+            <p:cNvSpPr/>
+            <p:nvPr/>
+          </p:nvSpPr>
+          <p:spPr>
+            <a:xfrm>
+              <a:off x="4081667" y="2862343"/>
+              <a:ext cx="1643271" cy="344556"/>
+            </a:xfrm>
+            <a:prstGeom prst="rect">
+              <a:avLst/>
+            </a:prstGeom>
+            <a:solidFill>
+              <a:schemeClr val="accent5">
+                <a:lumMod val="75000"/>
+              </a:schemeClr>
+            </a:solidFill>
+            <a:ln>
+              <a:noFill/>
+            </a:ln>
+          </p:spPr>
+          <p:style>
+            <a:lnRef idx="2">
+              <a:schemeClr val="accent1">
+                <a:shade val="50000"/>
+              </a:schemeClr>
+            </a:lnRef>
+            <a:fillRef idx="1">
+              <a:schemeClr val="accent1"/>
+            </a:fillRef>
+            <a:effectRef idx="0">
+              <a:schemeClr val="accent1"/>
+            </a:effectRef>
+            <a:fontRef idx="minor">
+              <a:schemeClr val="lt1"/>
+            </a:fontRef>
+          </p:style>
+          <p:txBody>
+            <a:bodyPr rtlCol="0" anchor="ctr"/>
+            <a:lstStyle/>
+            <a:p>
+              <a:pPr algn="ctr"/>
+              <a:r>
+                <a:rPr lang="en-US" smtClean="0"/>
+                <a:t>WD</a:t>
+              </a:r>
+              <a:endParaRPr lang="en-US"/>
+            </a:p>
+          </p:txBody>
+        </p:sp>
+        <p:sp>
+          <p:nvSpPr>
+            <p:cNvPr id="13" name="TextBox 12"/>
+            <p:cNvSpPr txBox="1"/>
+            <p:nvPr/>
+          </p:nvSpPr>
+          <p:spPr>
+            <a:xfrm>
+              <a:off x="566902" y="2764120"/>
+              <a:ext cx="1138453" cy="646331"/>
+            </a:xfrm>
+            <a:prstGeom prst="rect">
+              <a:avLst/>
+            </a:prstGeom>
+            <a:noFill/>
+          </p:spPr>
+          <p:txBody>
+            <a:bodyPr wrap="none" rtlCol="0">
+              <a:spAutoFit/>
+            </a:bodyPr>
+            <a:lstStyle/>
+            <a:p>
+              <a:pPr algn="r"/>
+              <a:r>
+                <a:rPr lang="en-US" dirty="0" smtClean="0"/>
+                <a:t>TLE1</a:t>
+              </a:r>
+              <a:endParaRPr lang="en-US" dirty="0" smtClean="0"/>
+            </a:p>
+            <a:p>
+              <a:pPr algn="r"/>
+              <a:r>
+                <a:rPr lang="en-US" i="1" dirty="0" smtClean="0"/>
+                <a:t>H. sapiens</a:t>
+              </a:r>
+              <a:endParaRPr lang="en-US" i="1" dirty="0"/>
+            </a:p>
+          </p:txBody>
+        </p:sp>
+        <p:sp>
+          <p:nvSpPr>
+            <p:cNvPr id="14" name="Rectangle 13"/>
+            <p:cNvSpPr/>
+            <p:nvPr/>
+          </p:nvSpPr>
+          <p:spPr>
+            <a:xfrm>
+              <a:off x="1802295" y="4089723"/>
+              <a:ext cx="569843" cy="344556"/>
+            </a:xfrm>
+            <a:prstGeom prst="rect">
+              <a:avLst/>
+            </a:prstGeom>
+            <a:solidFill>
+              <a:schemeClr val="accent6">
+                <a:lumMod val="75000"/>
+              </a:schemeClr>
+            </a:solidFill>
+            <a:ln>
+              <a:noFill/>
+            </a:ln>
+          </p:spPr>
+          <p:style>
+            <a:lnRef idx="2">
+              <a:schemeClr val="accent1">
+                <a:shade val="50000"/>
+              </a:schemeClr>
+            </a:lnRef>
+            <a:fillRef idx="1">
+              <a:schemeClr val="accent1"/>
+            </a:fillRef>
+            <a:effectRef idx="0">
+              <a:schemeClr val="accent1"/>
+            </a:effectRef>
+            <a:fontRef idx="minor">
+              <a:schemeClr val="lt1"/>
+            </a:fontRef>
+          </p:style>
+          <p:txBody>
+            <a:bodyPr rtlCol="0" anchor="ctr"/>
+            <a:lstStyle/>
+            <a:p>
+              <a:pPr algn="ctr"/>
+              <a:r>
+                <a:rPr lang="en-US" dirty="0" smtClean="0"/>
+                <a:t>Q</a:t>
+              </a:r>
+              <a:endParaRPr lang="en-US" dirty="0"/>
+            </a:p>
+          </p:txBody>
+        </p:sp>
+        <p:sp>
+          <p:nvSpPr>
+            <p:cNvPr id="15" name="Rectangle 14"/>
+            <p:cNvSpPr/>
+            <p:nvPr/>
+          </p:nvSpPr>
+          <p:spPr>
+            <a:xfrm>
+              <a:off x="2372138" y="4089723"/>
+              <a:ext cx="569843" cy="344556"/>
+            </a:xfrm>
+            <a:prstGeom prst="rect">
+              <a:avLst/>
+            </a:prstGeom>
+            <a:solidFill>
+              <a:schemeClr val="accent2">
+                <a:lumMod val="75000"/>
+              </a:schemeClr>
+            </a:solidFill>
+            <a:ln>
+              <a:noFill/>
+            </a:ln>
+          </p:spPr>
+          <p:style>
+            <a:lnRef idx="2">
+              <a:schemeClr val="accent1">
+                <a:shade val="50000"/>
+              </a:schemeClr>
+            </a:lnRef>
+            <a:fillRef idx="1">
+              <a:schemeClr val="accent1"/>
+            </a:fillRef>
+            <a:effectRef idx="0">
+              <a:schemeClr val="accent1"/>
+            </a:effectRef>
+            <a:fontRef idx="minor">
+              <a:schemeClr val="lt1"/>
+            </a:fontRef>
+          </p:style>
+          <p:txBody>
+            <a:bodyPr rtlCol="0" anchor="ctr"/>
+            <a:lstStyle/>
+            <a:p>
+              <a:pPr algn="ctr"/>
+              <a:r>
+                <a:rPr lang="en-US" dirty="0" smtClean="0"/>
+                <a:t>GP</a:t>
+              </a:r>
+              <a:endParaRPr lang="en-US" dirty="0"/>
+            </a:p>
+          </p:txBody>
+        </p:sp>
+        <p:sp>
+          <p:nvSpPr>
+            <p:cNvPr id="16" name="Rectangle 15"/>
+            <p:cNvSpPr/>
+            <p:nvPr/>
+          </p:nvSpPr>
+          <p:spPr>
+            <a:xfrm>
+              <a:off x="2941981" y="4089723"/>
+              <a:ext cx="569843" cy="344556"/>
+            </a:xfrm>
+            <a:prstGeom prst="rect">
+              <a:avLst/>
+            </a:prstGeom>
+            <a:solidFill>
+              <a:schemeClr val="accent3">
+                <a:lumMod val="75000"/>
+              </a:schemeClr>
+            </a:solidFill>
+            <a:ln>
+              <a:noFill/>
+            </a:ln>
+          </p:spPr>
+          <p:style>
+            <a:lnRef idx="2">
+              <a:schemeClr val="accent1">
+                <a:shade val="50000"/>
+              </a:schemeClr>
+            </a:lnRef>
+            <a:fillRef idx="1">
+              <a:schemeClr val="accent1"/>
+            </a:fillRef>
+            <a:effectRef idx="0">
+              <a:schemeClr val="accent1"/>
+            </a:effectRef>
+            <a:fontRef idx="minor">
+              <a:schemeClr val="lt1"/>
+            </a:fontRef>
+          </p:style>
+          <p:txBody>
+            <a:bodyPr rtlCol="0" anchor="ctr"/>
+            <a:lstStyle/>
+            <a:p>
+              <a:pPr algn="ctr"/>
+              <a:r>
+                <a:rPr lang="en-US" dirty="0" smtClean="0"/>
+                <a:t>CcN</a:t>
+              </a:r>
+              <a:endParaRPr lang="en-US" dirty="0"/>
+            </a:p>
+          </p:txBody>
+        </p:sp>
+        <p:sp>
+          <p:nvSpPr>
+            <p:cNvPr id="17" name="Rectangle 16"/>
+            <p:cNvSpPr/>
+            <p:nvPr/>
+          </p:nvSpPr>
+          <p:spPr>
+            <a:xfrm>
+              <a:off x="3511824" y="4089723"/>
+              <a:ext cx="569843" cy="344556"/>
+            </a:xfrm>
+            <a:prstGeom prst="rect">
+              <a:avLst/>
+            </a:prstGeom>
+            <a:solidFill>
+              <a:schemeClr val="accent4">
+                <a:lumMod val="75000"/>
+              </a:schemeClr>
+            </a:solidFill>
+            <a:ln>
+              <a:noFill/>
+            </a:ln>
+          </p:spPr>
+          <p:style>
+            <a:lnRef idx="2">
+              <a:schemeClr val="accent1">
+                <a:shade val="50000"/>
+              </a:schemeClr>
+            </a:lnRef>
+            <a:fillRef idx="1">
+              <a:schemeClr val="accent1"/>
+            </a:fillRef>
+            <a:effectRef idx="0">
+              <a:schemeClr val="accent1"/>
+            </a:effectRef>
+            <a:fontRef idx="minor">
+              <a:schemeClr val="lt1"/>
+            </a:fontRef>
+          </p:style>
+          <p:txBody>
+            <a:bodyPr rtlCol="0" anchor="ctr"/>
+            <a:lstStyle/>
+            <a:p>
+              <a:pPr algn="ctr"/>
+              <a:r>
+                <a:rPr lang="en-US" dirty="0" smtClean="0"/>
+                <a:t>SP</a:t>
+              </a:r>
+              <a:endParaRPr lang="en-US" dirty="0"/>
+            </a:p>
+          </p:txBody>
+        </p:sp>
+        <p:sp>
+          <p:nvSpPr>
+            <p:cNvPr id="18" name="Rectangle 17"/>
+            <p:cNvSpPr/>
+            <p:nvPr/>
+          </p:nvSpPr>
+          <p:spPr>
+            <a:xfrm>
+              <a:off x="4081667" y="4089723"/>
+              <a:ext cx="1643271" cy="344556"/>
+            </a:xfrm>
+            <a:prstGeom prst="rect">
+              <a:avLst/>
+            </a:prstGeom>
+            <a:solidFill>
+              <a:schemeClr val="accent5">
+                <a:lumMod val="75000"/>
+              </a:schemeClr>
+            </a:solidFill>
+            <a:ln>
+              <a:noFill/>
+            </a:ln>
+          </p:spPr>
+          <p:style>
+            <a:lnRef idx="2">
+              <a:schemeClr val="accent1">
+                <a:shade val="50000"/>
+              </a:schemeClr>
+            </a:lnRef>
+            <a:fillRef idx="1">
+              <a:schemeClr val="accent1"/>
+            </a:fillRef>
+            <a:effectRef idx="0">
+              <a:schemeClr val="accent1"/>
+            </a:effectRef>
+            <a:fontRef idx="minor">
+              <a:schemeClr val="lt1"/>
+            </a:fontRef>
+          </p:style>
+          <p:txBody>
+            <a:bodyPr rtlCol="0" anchor="ctr"/>
+            <a:lstStyle/>
+            <a:p>
+              <a:pPr algn="ctr"/>
+              <a:r>
+                <a:rPr lang="en-US" smtClean="0"/>
+                <a:t>WD</a:t>
+              </a:r>
+              <a:endParaRPr lang="en-US"/>
+            </a:p>
+          </p:txBody>
+        </p:sp>
+        <p:sp>
+          <p:nvSpPr>
+            <p:cNvPr id="19" name="TextBox 18"/>
+            <p:cNvSpPr txBox="1"/>
+            <p:nvPr/>
+          </p:nvSpPr>
+          <p:spPr>
+            <a:xfrm>
+              <a:off x="410115" y="4017964"/>
+              <a:ext cx="1359668" cy="646331"/>
+            </a:xfrm>
+            <a:prstGeom prst="rect">
+              <a:avLst/>
+            </a:prstGeom>
+            <a:noFill/>
+          </p:spPr>
+          <p:txBody>
+            <a:bodyPr wrap="none" rtlCol="0">
+              <a:spAutoFit/>
+            </a:bodyPr>
+            <a:lstStyle/>
+            <a:p>
+              <a:pPr algn="r"/>
+              <a:r>
+                <a:rPr lang="en-US" dirty="0" smtClean="0"/>
+                <a:t>Grg1-4</a:t>
+              </a:r>
+            </a:p>
+            <a:p>
+              <a:pPr algn="r"/>
+              <a:r>
+                <a:rPr lang="en-US" i="1" dirty="0" smtClean="0"/>
+                <a:t>M. </a:t>
+              </a:r>
+              <a:r>
+                <a:rPr lang="en-US" i="1" dirty="0" err="1" smtClean="0"/>
+                <a:t>musculus</a:t>
+              </a:r>
+              <a:endParaRPr lang="en-US" i="1" dirty="0"/>
+            </a:p>
+          </p:txBody>
+        </p:sp>
+        <p:sp>
+          <p:nvSpPr>
+            <p:cNvPr id="20" name="Rectangle 19"/>
+            <p:cNvSpPr/>
+            <p:nvPr/>
+          </p:nvSpPr>
+          <p:spPr>
+            <a:xfrm>
+              <a:off x="1802295" y="5316129"/>
+              <a:ext cx="569843" cy="344556"/>
+            </a:xfrm>
+            <a:prstGeom prst="rect">
+              <a:avLst/>
+            </a:prstGeom>
+            <a:solidFill>
+              <a:schemeClr val="accent6">
+                <a:lumMod val="75000"/>
+              </a:schemeClr>
+            </a:solidFill>
+            <a:ln>
+              <a:noFill/>
+            </a:ln>
+          </p:spPr>
+          <p:style>
+            <a:lnRef idx="2">
+              <a:schemeClr val="accent1">
+                <a:shade val="50000"/>
+              </a:schemeClr>
+            </a:lnRef>
+            <a:fillRef idx="1">
+              <a:schemeClr val="accent1"/>
+            </a:fillRef>
+            <a:effectRef idx="0">
+              <a:schemeClr val="accent1"/>
+            </a:effectRef>
+            <a:fontRef idx="minor">
+              <a:schemeClr val="lt1"/>
+            </a:fontRef>
+          </p:style>
+          <p:txBody>
+            <a:bodyPr rtlCol="0" anchor="ctr"/>
+            <a:lstStyle/>
+            <a:p>
+              <a:pPr algn="ctr"/>
+              <a:r>
+                <a:rPr lang="en-US" dirty="0" smtClean="0"/>
+                <a:t>Q</a:t>
+              </a:r>
+              <a:endParaRPr lang="en-US" dirty="0"/>
+            </a:p>
+          </p:txBody>
+        </p:sp>
+        <p:sp>
+          <p:nvSpPr>
+            <p:cNvPr id="22" name="Rectangle 21"/>
+            <p:cNvSpPr/>
+            <p:nvPr/>
+          </p:nvSpPr>
+          <p:spPr>
+            <a:xfrm>
+              <a:off x="2372138" y="5316129"/>
+              <a:ext cx="947529" cy="344556"/>
+            </a:xfrm>
+            <a:prstGeom prst="rect">
+              <a:avLst/>
+            </a:prstGeom>
+            <a:solidFill>
+              <a:schemeClr val="accent3">
+                <a:lumMod val="75000"/>
+              </a:schemeClr>
+            </a:solidFill>
+            <a:ln>
+              <a:noFill/>
+            </a:ln>
+          </p:spPr>
+          <p:style>
+            <a:lnRef idx="2">
+              <a:schemeClr val="accent1">
+                <a:shade val="50000"/>
+              </a:schemeClr>
+            </a:lnRef>
+            <a:fillRef idx="1">
+              <a:schemeClr val="accent1"/>
+            </a:fillRef>
+            <a:effectRef idx="0">
+              <a:schemeClr val="accent1"/>
+            </a:effectRef>
+            <a:fontRef idx="minor">
+              <a:schemeClr val="lt1"/>
+            </a:fontRef>
+          </p:style>
+          <p:txBody>
+            <a:bodyPr rtlCol="0" anchor="ctr"/>
+            <a:lstStyle/>
+            <a:p>
+              <a:pPr algn="ctr"/>
+              <a:endParaRPr lang="en-US" dirty="0"/>
+            </a:p>
+          </p:txBody>
+        </p:sp>
+        <p:sp>
+          <p:nvSpPr>
+            <p:cNvPr id="24" name="Rectangle 23"/>
+            <p:cNvSpPr/>
+            <p:nvPr/>
+          </p:nvSpPr>
+          <p:spPr>
+            <a:xfrm>
+              <a:off x="3319667" y="5316129"/>
+              <a:ext cx="1643271" cy="344556"/>
+            </a:xfrm>
+            <a:prstGeom prst="rect">
+              <a:avLst/>
+            </a:prstGeom>
+            <a:solidFill>
+              <a:schemeClr val="accent5">
+                <a:lumMod val="75000"/>
+              </a:schemeClr>
+            </a:solidFill>
+            <a:ln>
+              <a:noFill/>
+            </a:ln>
+          </p:spPr>
+          <p:style>
+            <a:lnRef idx="2">
+              <a:schemeClr val="accent1">
+                <a:shade val="50000"/>
+              </a:schemeClr>
+            </a:lnRef>
+            <a:fillRef idx="1">
+              <a:schemeClr val="accent1"/>
+            </a:fillRef>
+            <a:effectRef idx="0">
+              <a:schemeClr val="accent1"/>
+            </a:effectRef>
+            <a:fontRef idx="minor">
+              <a:schemeClr val="lt1"/>
+            </a:fontRef>
+          </p:style>
+          <p:txBody>
+            <a:bodyPr rtlCol="0" anchor="ctr"/>
+            <a:lstStyle/>
+            <a:p>
+              <a:pPr algn="ctr"/>
+              <a:r>
+                <a:rPr lang="en-US" smtClean="0"/>
+                <a:t>WD</a:t>
+              </a:r>
+              <a:endParaRPr lang="en-US"/>
+            </a:p>
+          </p:txBody>
+        </p:sp>
+        <p:sp>
+          <p:nvSpPr>
+            <p:cNvPr id="25" name="TextBox 24"/>
+            <p:cNvSpPr txBox="1"/>
+            <p:nvPr/>
+          </p:nvSpPr>
+          <p:spPr>
+            <a:xfrm>
+              <a:off x="634536" y="5271807"/>
+              <a:ext cx="1135247" cy="646331"/>
+            </a:xfrm>
+            <a:prstGeom prst="rect">
+              <a:avLst/>
+            </a:prstGeom>
+            <a:noFill/>
+          </p:spPr>
+          <p:txBody>
+            <a:bodyPr wrap="none" rtlCol="0">
+              <a:spAutoFit/>
+            </a:bodyPr>
+            <a:lstStyle/>
+            <a:p>
+              <a:pPr algn="r"/>
+              <a:r>
+                <a:rPr lang="en-US" dirty="0" smtClean="0"/>
+                <a:t>UNC-37</a:t>
+              </a:r>
+            </a:p>
+            <a:p>
+              <a:pPr algn="r"/>
+              <a:r>
+                <a:rPr lang="en-US" i="1" dirty="0" smtClean="0"/>
+                <a:t>C. </a:t>
+              </a:r>
+              <a:r>
+                <a:rPr lang="en-US" i="1" dirty="0" err="1" smtClean="0"/>
+                <a:t>elegans</a:t>
+              </a:r>
+              <a:endParaRPr lang="en-US" i="1" dirty="0"/>
+            </a:p>
+          </p:txBody>
+        </p:sp>
+        <p:sp>
+          <p:nvSpPr>
+            <p:cNvPr id="28" name="TextBox 27"/>
+            <p:cNvSpPr txBox="1"/>
+            <p:nvPr/>
+          </p:nvSpPr>
+          <p:spPr>
+            <a:xfrm>
+              <a:off x="1839391" y="3228290"/>
+              <a:ext cx="495649" cy="307777"/>
+            </a:xfrm>
+            <a:prstGeom prst="rect">
+              <a:avLst/>
+            </a:prstGeom>
+            <a:noFill/>
+          </p:spPr>
+          <p:txBody>
+            <a:bodyPr wrap="none" rtlCol="0">
+              <a:spAutoFit/>
+            </a:bodyPr>
+            <a:lstStyle/>
+            <a:p>
+              <a:r>
+                <a:rPr lang="en-US" sz="1400" dirty="0" smtClean="0"/>
+                <a:t>71%</a:t>
+              </a:r>
+              <a:endParaRPr lang="en-US" sz="1400" dirty="0"/>
+            </a:p>
+          </p:txBody>
+        </p:sp>
+        <p:sp>
+          <p:nvSpPr>
+            <p:cNvPr id="31" name="TextBox 30"/>
+            <p:cNvSpPr txBox="1"/>
+            <p:nvPr/>
+          </p:nvSpPr>
+          <p:spPr>
+            <a:xfrm>
+              <a:off x="4651510" y="3176323"/>
+              <a:ext cx="495649" cy="307777"/>
+            </a:xfrm>
+            <a:prstGeom prst="rect">
+              <a:avLst/>
+            </a:prstGeom>
+            <a:noFill/>
+          </p:spPr>
+          <p:txBody>
+            <a:bodyPr wrap="none" rtlCol="0">
+              <a:spAutoFit/>
+            </a:bodyPr>
+            <a:lstStyle/>
+            <a:p>
+              <a:r>
+                <a:rPr lang="en-US" sz="1400" dirty="0" smtClean="0"/>
+                <a:t>89%</a:t>
+              </a:r>
+              <a:endParaRPr lang="en-US" sz="1400" dirty="0"/>
+            </a:p>
+          </p:txBody>
+        </p:sp>
+        <p:sp>
+          <p:nvSpPr>
+            <p:cNvPr id="32" name="TextBox 31"/>
+            <p:cNvSpPr txBox="1"/>
+            <p:nvPr/>
+          </p:nvSpPr>
+          <p:spPr>
+            <a:xfrm>
+              <a:off x="1839391" y="4484039"/>
+              <a:ext cx="495649" cy="307777"/>
+            </a:xfrm>
+            <a:prstGeom prst="rect">
+              <a:avLst/>
+            </a:prstGeom>
+            <a:noFill/>
+          </p:spPr>
+          <p:txBody>
+            <a:bodyPr wrap="none" rtlCol="0">
+              <a:spAutoFit/>
+            </a:bodyPr>
+            <a:lstStyle/>
+            <a:p>
+              <a:r>
+                <a:rPr lang="en-US" sz="1400" dirty="0" smtClean="0"/>
+                <a:t>73%</a:t>
+              </a:r>
+              <a:endParaRPr lang="en-US" sz="1400" dirty="0"/>
+            </a:p>
+          </p:txBody>
+        </p:sp>
+        <p:sp>
+          <p:nvSpPr>
+            <p:cNvPr id="33" name="TextBox 32"/>
+            <p:cNvSpPr txBox="1"/>
+            <p:nvPr/>
+          </p:nvSpPr>
+          <p:spPr>
+            <a:xfrm>
+              <a:off x="4655478" y="4388206"/>
+              <a:ext cx="495649" cy="307777"/>
+            </a:xfrm>
+            <a:prstGeom prst="rect">
+              <a:avLst/>
+            </a:prstGeom>
+            <a:noFill/>
+          </p:spPr>
+          <p:txBody>
+            <a:bodyPr wrap="none" rtlCol="0">
+              <a:spAutoFit/>
+            </a:bodyPr>
+            <a:lstStyle/>
+            <a:p>
+              <a:r>
+                <a:rPr lang="en-US" sz="1400" dirty="0" smtClean="0"/>
+                <a:t>89%</a:t>
+              </a:r>
+              <a:endParaRPr lang="en-US" sz="1400" dirty="0"/>
+            </a:p>
+          </p:txBody>
+        </p:sp>
+        <p:sp>
+          <p:nvSpPr>
+            <p:cNvPr id="34" name="TextBox 33"/>
+            <p:cNvSpPr txBox="1"/>
+            <p:nvPr/>
+          </p:nvSpPr>
+          <p:spPr>
+            <a:xfrm>
+              <a:off x="1862619" y="5623906"/>
+              <a:ext cx="495649" cy="307777"/>
+            </a:xfrm>
+            <a:prstGeom prst="rect">
+              <a:avLst/>
+            </a:prstGeom>
+            <a:noFill/>
+          </p:spPr>
+          <p:txBody>
+            <a:bodyPr wrap="none" rtlCol="0">
+              <a:spAutoFit/>
+            </a:bodyPr>
+            <a:lstStyle/>
+            <a:p>
+              <a:r>
+                <a:rPr lang="en-US" sz="1400" dirty="0" smtClean="0"/>
+                <a:t>69%</a:t>
+              </a:r>
+              <a:endParaRPr lang="en-US" sz="1400" dirty="0"/>
+            </a:p>
+          </p:txBody>
+        </p:sp>
+        <p:sp>
+          <p:nvSpPr>
+            <p:cNvPr id="35" name="TextBox 34"/>
+            <p:cNvSpPr txBox="1"/>
+            <p:nvPr/>
+          </p:nvSpPr>
+          <p:spPr>
+            <a:xfrm>
+              <a:off x="3893477" y="5620875"/>
+              <a:ext cx="495649" cy="307777"/>
+            </a:xfrm>
+            <a:prstGeom prst="rect">
+              <a:avLst/>
+            </a:prstGeom>
+            <a:noFill/>
+          </p:spPr>
+          <p:txBody>
+            <a:bodyPr wrap="none" rtlCol="0">
+              <a:spAutoFit/>
+            </a:bodyPr>
+            <a:lstStyle/>
+            <a:p>
+              <a:r>
+                <a:rPr lang="en-US" sz="1400" dirty="0" smtClean="0"/>
+                <a:t>58%</a:t>
+              </a:r>
+              <a:endParaRPr lang="en-US" sz="1400" dirty="0"/>
+            </a:p>
+          </p:txBody>
+        </p:sp>
+        <p:sp>
+          <p:nvSpPr>
+            <p:cNvPr id="36" name="Rectangle 35"/>
+            <p:cNvSpPr/>
+            <p:nvPr/>
+          </p:nvSpPr>
+          <p:spPr>
+            <a:xfrm>
+              <a:off x="1802296" y="6542535"/>
+              <a:ext cx="2279372" cy="344557"/>
+            </a:xfrm>
+            <a:prstGeom prst="rect">
+              <a:avLst/>
+            </a:prstGeom>
+            <a:solidFill>
+              <a:schemeClr val="accent3">
+                <a:lumMod val="75000"/>
+              </a:schemeClr>
+            </a:solidFill>
+            <a:ln>
+              <a:noFill/>
+            </a:ln>
+          </p:spPr>
+          <p:style>
+            <a:lnRef idx="2">
+              <a:schemeClr val="accent1">
+                <a:shade val="50000"/>
+              </a:schemeClr>
+            </a:lnRef>
+            <a:fillRef idx="1">
+              <a:schemeClr val="accent1"/>
+            </a:fillRef>
+            <a:effectRef idx="0">
+              <a:schemeClr val="accent1"/>
+            </a:effectRef>
+            <a:fontRef idx="minor">
+              <a:schemeClr val="lt1"/>
+            </a:fontRef>
+          </p:style>
+          <p:txBody>
+            <a:bodyPr rtlCol="0" anchor="ctr"/>
+            <a:lstStyle/>
+            <a:p>
+              <a:pPr algn="ctr"/>
+              <a:endParaRPr lang="en-US" dirty="0"/>
+            </a:p>
+          </p:txBody>
+        </p:sp>
+        <p:sp>
+          <p:nvSpPr>
+            <p:cNvPr id="37" name="Rectangle 36"/>
+            <p:cNvSpPr/>
+            <p:nvPr/>
+          </p:nvSpPr>
+          <p:spPr>
+            <a:xfrm>
+              <a:off x="4081667" y="6542536"/>
+              <a:ext cx="1643271" cy="344556"/>
+            </a:xfrm>
+            <a:prstGeom prst="rect">
+              <a:avLst/>
+            </a:prstGeom>
+            <a:solidFill>
+              <a:schemeClr val="accent5">
+                <a:lumMod val="75000"/>
+              </a:schemeClr>
+            </a:solidFill>
+            <a:ln>
+              <a:noFill/>
+            </a:ln>
+          </p:spPr>
+          <p:style>
+            <a:lnRef idx="2">
+              <a:schemeClr val="accent1">
+                <a:shade val="50000"/>
+              </a:schemeClr>
+            </a:lnRef>
+            <a:fillRef idx="1">
+              <a:schemeClr val="accent1"/>
+            </a:fillRef>
+            <a:effectRef idx="0">
+              <a:schemeClr val="accent1"/>
+            </a:effectRef>
+            <a:fontRef idx="minor">
+              <a:schemeClr val="lt1"/>
+            </a:fontRef>
+          </p:style>
+          <p:txBody>
+            <a:bodyPr rtlCol="0" anchor="ctr"/>
+            <a:lstStyle/>
+            <a:p>
+              <a:pPr algn="ctr"/>
+              <a:r>
+                <a:rPr lang="en-US" smtClean="0"/>
+                <a:t>WD</a:t>
+              </a:r>
+              <a:endParaRPr lang="en-US"/>
+            </a:p>
+          </p:txBody>
+        </p:sp>
+        <p:sp>
+          <p:nvSpPr>
+            <p:cNvPr id="38" name="TextBox 37"/>
+            <p:cNvSpPr txBox="1"/>
+            <p:nvPr/>
+          </p:nvSpPr>
+          <p:spPr>
+            <a:xfrm>
+              <a:off x="382172" y="6525650"/>
+              <a:ext cx="1319977" cy="646331"/>
+            </a:xfrm>
+            <a:prstGeom prst="rect">
+              <a:avLst/>
+            </a:prstGeom>
+            <a:noFill/>
+          </p:spPr>
+          <p:txBody>
+            <a:bodyPr wrap="none" rtlCol="0">
+              <a:spAutoFit/>
+            </a:bodyPr>
+            <a:lstStyle/>
+            <a:p>
+              <a:pPr algn="r"/>
+              <a:r>
+                <a:rPr lang="en-US" dirty="0" smtClean="0"/>
+                <a:t>Tup1</a:t>
+              </a:r>
+              <a:endParaRPr lang="en-US" dirty="0" smtClean="0"/>
+            </a:p>
+            <a:p>
+              <a:pPr algn="r"/>
+              <a:r>
+                <a:rPr lang="en-US" i="1" dirty="0" smtClean="0"/>
+                <a:t>S. </a:t>
+              </a:r>
+              <a:r>
+                <a:rPr lang="en-US" i="1" dirty="0" err="1" smtClean="0"/>
+                <a:t>cerevisiae</a:t>
+              </a:r>
+              <a:endParaRPr lang="en-US" i="1" dirty="0"/>
+            </a:p>
+          </p:txBody>
+        </p:sp>
+      </p:grpSp>
+    </p:spTree>
+    <p:extLst>
+      <p:ext uri="{BB962C8B-B14F-4D97-AF65-F5344CB8AC3E}">
+        <p14:creationId xmlns:p14="http://schemas.microsoft.com/office/powerpoint/2010/main" val="1897808329"/>
       </p:ext>
     </p:extLst>
   </p:cSld>

--- a/ch1_introduction.figures/ch1_introduction.figures.pptx
+++ b/ch1_introduction.figures/ch1_introduction.figures.pptx
@@ -244,7 +244,7 @@
           <a:p>
             <a:fld id="{FA1A729A-1091-F640-89D2-BCA8DB9F194A}" type="datetimeFigureOut">
               <a:rPr lang="en-US" smtClean="0"/>
-              <a:t>11/22/15</a:t>
+              <a:t>11/23/15</a:t>
             </a:fld>
             <a:endParaRPr lang="en-US"/>
           </a:p>
@@ -414,7 +414,7 @@
           <a:p>
             <a:fld id="{FA1A729A-1091-F640-89D2-BCA8DB9F194A}" type="datetimeFigureOut">
               <a:rPr lang="en-US" smtClean="0"/>
-              <a:t>11/22/15</a:t>
+              <a:t>11/23/15</a:t>
             </a:fld>
             <a:endParaRPr lang="en-US"/>
           </a:p>
@@ -594,7 +594,7 @@
           <a:p>
             <a:fld id="{FA1A729A-1091-F640-89D2-BCA8DB9F194A}" type="datetimeFigureOut">
               <a:rPr lang="en-US" smtClean="0"/>
-              <a:t>11/22/15</a:t>
+              <a:t>11/23/15</a:t>
             </a:fld>
             <a:endParaRPr lang="en-US"/>
           </a:p>
@@ -764,7 +764,7 @@
           <a:p>
             <a:fld id="{FA1A729A-1091-F640-89D2-BCA8DB9F194A}" type="datetimeFigureOut">
               <a:rPr lang="en-US" smtClean="0"/>
-              <a:t>11/22/15</a:t>
+              <a:t>11/23/15</a:t>
             </a:fld>
             <a:endParaRPr lang="en-US"/>
           </a:p>
@@ -1008,7 +1008,7 @@
           <a:p>
             <a:fld id="{FA1A729A-1091-F640-89D2-BCA8DB9F194A}" type="datetimeFigureOut">
               <a:rPr lang="en-US" smtClean="0"/>
-              <a:t>11/22/15</a:t>
+              <a:t>11/23/15</a:t>
             </a:fld>
             <a:endParaRPr lang="en-US"/>
           </a:p>
@@ -1240,7 +1240,7 @@
           <a:p>
             <a:fld id="{FA1A729A-1091-F640-89D2-BCA8DB9F194A}" type="datetimeFigureOut">
               <a:rPr lang="en-US" smtClean="0"/>
-              <a:t>11/22/15</a:t>
+              <a:t>11/23/15</a:t>
             </a:fld>
             <a:endParaRPr lang="en-US"/>
           </a:p>
@@ -1607,7 +1607,7 @@
           <a:p>
             <a:fld id="{FA1A729A-1091-F640-89D2-BCA8DB9F194A}" type="datetimeFigureOut">
               <a:rPr lang="en-US" smtClean="0"/>
-              <a:t>11/22/15</a:t>
+              <a:t>11/23/15</a:t>
             </a:fld>
             <a:endParaRPr lang="en-US"/>
           </a:p>
@@ -1725,7 +1725,7 @@
           <a:p>
             <a:fld id="{FA1A729A-1091-F640-89D2-BCA8DB9F194A}" type="datetimeFigureOut">
               <a:rPr lang="en-US" smtClean="0"/>
-              <a:t>11/22/15</a:t>
+              <a:t>11/23/15</a:t>
             </a:fld>
             <a:endParaRPr lang="en-US"/>
           </a:p>
@@ -1820,7 +1820,7 @@
           <a:p>
             <a:fld id="{FA1A729A-1091-F640-89D2-BCA8DB9F194A}" type="datetimeFigureOut">
               <a:rPr lang="en-US" smtClean="0"/>
-              <a:t>11/22/15</a:t>
+              <a:t>11/23/15</a:t>
             </a:fld>
             <a:endParaRPr lang="en-US"/>
           </a:p>
@@ -2097,7 +2097,7 @@
           <a:p>
             <a:fld id="{FA1A729A-1091-F640-89D2-BCA8DB9F194A}" type="datetimeFigureOut">
               <a:rPr lang="en-US" smtClean="0"/>
-              <a:t>11/22/15</a:t>
+              <a:t>11/23/15</a:t>
             </a:fld>
             <a:endParaRPr lang="en-US"/>
           </a:p>
@@ -2354,7 +2354,7 @@
           <a:p>
             <a:fld id="{FA1A729A-1091-F640-89D2-BCA8DB9F194A}" type="datetimeFigureOut">
               <a:rPr lang="en-US" smtClean="0"/>
-              <a:t>11/22/15</a:t>
+              <a:t>11/23/15</a:t>
             </a:fld>
             <a:endParaRPr lang="en-US"/>
           </a:p>
@@ -2567,7 +2567,7 @@
           <a:p>
             <a:fld id="{FA1A729A-1091-F640-89D2-BCA8DB9F194A}" type="datetimeFigureOut">
               <a:rPr lang="en-US" smtClean="0"/>
-              <a:t>11/22/15</a:t>
+              <a:t>11/23/15</a:t>
             </a:fld>
             <a:endParaRPr lang="en-US"/>
           </a:p>
@@ -3557,7 +3557,6 @@
               <a:rPr lang="en-US" dirty="0" smtClean="0"/>
               <a:t>TLE1-4</a:t>
             </a:r>
-            <a:endParaRPr lang="en-US" dirty="0" smtClean="0"/>
           </a:p>
           <a:p>
             <a:pPr algn="r"/>
@@ -4874,7 +4873,6 @@
                 <a:rPr lang="en-US" dirty="0" smtClean="0"/>
                 <a:t>TLE1</a:t>
               </a:r>
-              <a:endParaRPr lang="en-US" dirty="0" smtClean="0"/>
             </a:p>
             <a:p>
               <a:pPr algn="r"/>
@@ -5171,8 +5169,9 @@
               <a:pPr algn="r"/>
               <a:r>
                 <a:rPr lang="en-US" dirty="0" smtClean="0"/>
-                <a:t>Grg1-4</a:t>
+                <a:t>Grg1</a:t>
               </a:r>
+              <a:endParaRPr lang="en-US" dirty="0" smtClean="0"/>
             </a:p>
             <a:p>
               <a:pPr algn="r"/>
@@ -5689,7 +5688,6 @@
                 <a:rPr lang="en-US" dirty="0" smtClean="0"/>
                 <a:t>Tup1</a:t>
               </a:r>
-              <a:endParaRPr lang="en-US" dirty="0" smtClean="0"/>
             </a:p>
             <a:p>
               <a:pPr algn="r"/>
